--- a/中間発表_英語.pptx
+++ b/中間発表_英語.pptx
@@ -226,7 +226,7 @@
           <a:p>
             <a:fld id="{F185D03E-571D-BA42-85BF-4D068DC12E29}" type="datetimeFigureOut">
               <a:rPr kumimoji="1" lang="ja-JP" altLang="en-US" smtClean="0"/>
-              <a:t>2020/10/22</a:t>
+              <a:t>2020/10/29</a:t>
             </a:fld>
             <a:endParaRPr kumimoji="1" lang="ja-JP" altLang="en-US"/>
           </a:p>
@@ -1094,7 +1094,7 @@
           <a:p>
             <a:fld id="{4022EDAD-B217-3946-A79C-481C6FEC392F}" type="datetime1">
               <a:rPr kumimoji="1" lang="ja-JP" altLang="en-US" smtClean="0"/>
-              <a:t>2020/10/22</a:t>
+              <a:t>2020/10/29</a:t>
             </a:fld>
             <a:endParaRPr kumimoji="1" lang="ja-JP" altLang="en-US"/>
           </a:p>
@@ -1322,7 +1322,7 @@
           <a:p>
             <a:fld id="{8F2CA839-3EA4-F84E-9DD3-1549C09B4DFF}" type="datetime1">
               <a:rPr kumimoji="1" lang="ja-JP" altLang="en-US" smtClean="0"/>
-              <a:t>2020/10/22</a:t>
+              <a:t>2020/10/29</a:t>
             </a:fld>
             <a:endParaRPr kumimoji="1" lang="ja-JP" altLang="en-US"/>
           </a:p>
@@ -1554,7 +1554,7 @@
           <a:p>
             <a:fld id="{0903EBEF-087E-1C4B-A394-4BF982076E9B}" type="datetime1">
               <a:rPr kumimoji="1" lang="ja-JP" altLang="en-US" smtClean="0"/>
-              <a:t>2020/10/22</a:t>
+              <a:t>2020/10/29</a:t>
             </a:fld>
             <a:endParaRPr kumimoji="1" lang="ja-JP" altLang="en-US"/>
           </a:p>
@@ -1772,7 +1772,7 @@
           <a:p>
             <a:fld id="{3CC3E3BD-DD2F-0F4C-9F7B-BD2CFE73C08E}" type="datetime1">
               <a:rPr kumimoji="1" lang="ja-JP" altLang="en-US" smtClean="0"/>
-              <a:t>2020/10/22</a:t>
+              <a:t>2020/10/29</a:t>
             </a:fld>
             <a:endParaRPr kumimoji="1" lang="ja-JP" altLang="en-US"/>
           </a:p>
@@ -2097,7 +2097,7 @@
           <a:p>
             <a:fld id="{C115CAE8-F975-9249-9A1B-F50E55793BF8}" type="datetime1">
               <a:rPr kumimoji="1" lang="ja-JP" altLang="en-US" smtClean="0"/>
-              <a:t>2020/10/22</a:t>
+              <a:t>2020/10/29</a:t>
             </a:fld>
             <a:endParaRPr kumimoji="1" lang="ja-JP" altLang="en-US"/>
           </a:p>
@@ -2390,7 +2390,7 @@
           <a:p>
             <a:fld id="{4B86C5E8-D6C8-5540-A4FD-D0987B8EBD10}" type="datetime1">
               <a:rPr kumimoji="1" lang="ja-JP" altLang="en-US" smtClean="0"/>
-              <a:t>2020/10/22</a:t>
+              <a:t>2020/10/29</a:t>
             </a:fld>
             <a:endParaRPr kumimoji="1" lang="ja-JP" altLang="en-US"/>
           </a:p>
@@ -2905,7 +2905,7 @@
           <a:p>
             <a:fld id="{6FA0929B-742B-B141-B071-CCB3728A9B97}" type="datetime1">
               <a:rPr kumimoji="1" lang="ja-JP" altLang="en-US" smtClean="0"/>
-              <a:t>2020/10/22</a:t>
+              <a:t>2020/10/29</a:t>
             </a:fld>
             <a:endParaRPr kumimoji="1" lang="ja-JP" altLang="en-US"/>
           </a:p>
@@ -3063,7 +3063,7 @@
           <a:p>
             <a:fld id="{6E24F31F-B5AD-3641-8587-346597BEC0BE}" type="datetime1">
               <a:rPr kumimoji="1" lang="ja-JP" altLang="en-US" smtClean="0"/>
-              <a:t>2020/10/22</a:t>
+              <a:t>2020/10/29</a:t>
             </a:fld>
             <a:endParaRPr kumimoji="1" lang="ja-JP" altLang="en-US"/>
           </a:p>
@@ -3198,7 +3198,7 @@
           <a:p>
             <a:fld id="{BE99A350-A1B1-1E45-BB25-3DF64E2FB64C}" type="datetime1">
               <a:rPr kumimoji="1" lang="ja-JP" altLang="en-US" smtClean="0"/>
-              <a:t>2020/10/22</a:t>
+              <a:t>2020/10/29</a:t>
             </a:fld>
             <a:endParaRPr kumimoji="1" lang="ja-JP" altLang="en-US"/>
           </a:p>
@@ -3496,7 +3496,7 @@
           <a:p>
             <a:fld id="{B66F413D-3751-BA4F-95FD-B012FBB5AC38}" type="datetime1">
               <a:rPr kumimoji="1" lang="ja-JP" altLang="en-US" smtClean="0"/>
-              <a:t>2020/10/22</a:t>
+              <a:t>2020/10/29</a:t>
             </a:fld>
             <a:endParaRPr kumimoji="1" lang="ja-JP" altLang="en-US"/>
           </a:p>
@@ -3993,7 +3993,7 @@
           <a:p>
             <a:fld id="{3F034A29-2760-CE48-9EAD-37F6D8A2ED9E}" type="datetime1">
               <a:rPr kumimoji="1" lang="ja-JP" altLang="en-US" smtClean="0"/>
-              <a:t>2020/10/22</a:t>
+              <a:t>2020/10/29</a:t>
             </a:fld>
             <a:endParaRPr kumimoji="1" lang="ja-JP" altLang="en-US"/>
           </a:p>
@@ -4374,7 +4374,7 @@
           <a:p>
             <a:fld id="{4BD725EE-9545-E84A-BF76-93ECAC915F52}" type="datetime1">
               <a:rPr kumimoji="1" lang="ja-JP" altLang="en-US" smtClean="0"/>
-              <a:t>2020/10/22</a:t>
+              <a:t>2020/10/29</a:t>
             </a:fld>
             <a:endParaRPr kumimoji="1" lang="ja-JP" altLang="en-US"/>
           </a:p>
@@ -5346,7 +5346,7 @@
           <a:p>
             <a:r>
               <a:rPr lang="en-US" altLang="ja-JP" dirty="0"/>
-              <a:t>Permutation of visiting points and the arrival time at each points</a:t>
+              <a:t>Permutation of visiting points and the arrival time at each point</a:t>
             </a:r>
           </a:p>
         </p:txBody>
